--- a/2020/1月.pptx
+++ b/2020/1月.pptx
@@ -291,7 +291,8 @@
           <a:p>
             <a:fld id="{CAD0ADA9-08DB-4ABC-B1BA-B08945673500}" type="datetimeFigureOut">
               <a:rPr lang="vi-VN" smtClean="0"/>
-              <a:t>03/01/2020</a:t>
+              <a:pPr/>
+              <a:t>12/01/2020</a:t>
             </a:fld>
             <a:endParaRPr lang="vi-VN"/>
           </a:p>
@@ -333,6 +334,7 @@
           <a:p>
             <a:fld id="{E5CA5BDE-6885-41A1-8D11-A2310419DAC8}" type="slidenum">
               <a:rPr lang="vi-VN" smtClean="0"/>
+              <a:pPr/>
               <a:t>‹#›</a:t>
             </a:fld>
             <a:endParaRPr lang="vi-VN"/>
@@ -342,7 +344,7 @@
     </p:spTree>
     <p:extLst>
       <p:ext uri="{BB962C8B-B14F-4D97-AF65-F5344CB8AC3E}">
-        <p14:creationId xmlns:p14="http://schemas.microsoft.com/office/powerpoint/2010/main" val="1880667010"/>
+        <p14:creationId xmlns:p14="http://schemas.microsoft.com/office/powerpoint/2010/main" xmlns="" val="1880667010"/>
       </p:ext>
     </p:extLst>
   </p:cSld>
@@ -461,7 +463,8 @@
           <a:p>
             <a:fld id="{CAD0ADA9-08DB-4ABC-B1BA-B08945673500}" type="datetimeFigureOut">
               <a:rPr lang="vi-VN" smtClean="0"/>
-              <a:t>03/01/2020</a:t>
+              <a:pPr/>
+              <a:t>12/01/2020</a:t>
             </a:fld>
             <a:endParaRPr lang="vi-VN"/>
           </a:p>
@@ -503,6 +506,7 @@
           <a:p>
             <a:fld id="{E5CA5BDE-6885-41A1-8D11-A2310419DAC8}" type="slidenum">
               <a:rPr lang="vi-VN" smtClean="0"/>
+              <a:pPr/>
               <a:t>‹#›</a:t>
             </a:fld>
             <a:endParaRPr lang="vi-VN"/>
@@ -512,7 +516,7 @@
     </p:spTree>
     <p:extLst>
       <p:ext uri="{BB962C8B-B14F-4D97-AF65-F5344CB8AC3E}">
-        <p14:creationId xmlns:p14="http://schemas.microsoft.com/office/powerpoint/2010/main" val="3605703004"/>
+        <p14:creationId xmlns:p14="http://schemas.microsoft.com/office/powerpoint/2010/main" xmlns="" val="3605703004"/>
       </p:ext>
     </p:extLst>
   </p:cSld>
@@ -641,7 +645,8 @@
           <a:p>
             <a:fld id="{CAD0ADA9-08DB-4ABC-B1BA-B08945673500}" type="datetimeFigureOut">
               <a:rPr lang="vi-VN" smtClean="0"/>
-              <a:t>03/01/2020</a:t>
+              <a:pPr/>
+              <a:t>12/01/2020</a:t>
             </a:fld>
             <a:endParaRPr lang="vi-VN"/>
           </a:p>
@@ -683,6 +688,7 @@
           <a:p>
             <a:fld id="{E5CA5BDE-6885-41A1-8D11-A2310419DAC8}" type="slidenum">
               <a:rPr lang="vi-VN" smtClean="0"/>
+              <a:pPr/>
               <a:t>‹#›</a:t>
             </a:fld>
             <a:endParaRPr lang="vi-VN"/>
@@ -692,7 +698,7 @@
     </p:spTree>
     <p:extLst>
       <p:ext uri="{BB962C8B-B14F-4D97-AF65-F5344CB8AC3E}">
-        <p14:creationId xmlns:p14="http://schemas.microsoft.com/office/powerpoint/2010/main" val="149257594"/>
+        <p14:creationId xmlns:p14="http://schemas.microsoft.com/office/powerpoint/2010/main" xmlns="" val="149257594"/>
       </p:ext>
     </p:extLst>
   </p:cSld>
@@ -811,7 +817,8 @@
           <a:p>
             <a:fld id="{CAD0ADA9-08DB-4ABC-B1BA-B08945673500}" type="datetimeFigureOut">
               <a:rPr lang="vi-VN" smtClean="0"/>
-              <a:t>03/01/2020</a:t>
+              <a:pPr/>
+              <a:t>12/01/2020</a:t>
             </a:fld>
             <a:endParaRPr lang="vi-VN"/>
           </a:p>
@@ -853,6 +860,7 @@
           <a:p>
             <a:fld id="{E5CA5BDE-6885-41A1-8D11-A2310419DAC8}" type="slidenum">
               <a:rPr lang="vi-VN" smtClean="0"/>
+              <a:pPr/>
               <a:t>‹#›</a:t>
             </a:fld>
             <a:endParaRPr lang="vi-VN"/>
@@ -862,7 +870,7 @@
     </p:spTree>
     <p:extLst>
       <p:ext uri="{BB962C8B-B14F-4D97-AF65-F5344CB8AC3E}">
-        <p14:creationId xmlns:p14="http://schemas.microsoft.com/office/powerpoint/2010/main" val="2790837647"/>
+        <p14:creationId xmlns:p14="http://schemas.microsoft.com/office/powerpoint/2010/main" xmlns="" val="2790837647"/>
       </p:ext>
     </p:extLst>
   </p:cSld>
@@ -1057,7 +1065,8 @@
           <a:p>
             <a:fld id="{CAD0ADA9-08DB-4ABC-B1BA-B08945673500}" type="datetimeFigureOut">
               <a:rPr lang="vi-VN" smtClean="0"/>
-              <a:t>03/01/2020</a:t>
+              <a:pPr/>
+              <a:t>12/01/2020</a:t>
             </a:fld>
             <a:endParaRPr lang="vi-VN"/>
           </a:p>
@@ -1099,6 +1108,7 @@
           <a:p>
             <a:fld id="{E5CA5BDE-6885-41A1-8D11-A2310419DAC8}" type="slidenum">
               <a:rPr lang="vi-VN" smtClean="0"/>
+              <a:pPr/>
               <a:t>‹#›</a:t>
             </a:fld>
             <a:endParaRPr lang="vi-VN"/>
@@ -1108,7 +1118,7 @@
     </p:spTree>
     <p:extLst>
       <p:ext uri="{BB962C8B-B14F-4D97-AF65-F5344CB8AC3E}">
-        <p14:creationId xmlns:p14="http://schemas.microsoft.com/office/powerpoint/2010/main" val="1843252788"/>
+        <p14:creationId xmlns:p14="http://schemas.microsoft.com/office/powerpoint/2010/main" xmlns="" val="1843252788"/>
       </p:ext>
     </p:extLst>
   </p:cSld>
@@ -1345,7 +1355,8 @@
           <a:p>
             <a:fld id="{CAD0ADA9-08DB-4ABC-B1BA-B08945673500}" type="datetimeFigureOut">
               <a:rPr lang="vi-VN" smtClean="0"/>
-              <a:t>03/01/2020</a:t>
+              <a:pPr/>
+              <a:t>12/01/2020</a:t>
             </a:fld>
             <a:endParaRPr lang="vi-VN"/>
           </a:p>
@@ -1387,6 +1398,7 @@
           <a:p>
             <a:fld id="{E5CA5BDE-6885-41A1-8D11-A2310419DAC8}" type="slidenum">
               <a:rPr lang="vi-VN" smtClean="0"/>
+              <a:pPr/>
               <a:t>‹#›</a:t>
             </a:fld>
             <a:endParaRPr lang="vi-VN"/>
@@ -1396,7 +1408,7 @@
     </p:spTree>
     <p:extLst>
       <p:ext uri="{BB962C8B-B14F-4D97-AF65-F5344CB8AC3E}">
-        <p14:creationId xmlns:p14="http://schemas.microsoft.com/office/powerpoint/2010/main" val="2182492521"/>
+        <p14:creationId xmlns:p14="http://schemas.microsoft.com/office/powerpoint/2010/main" xmlns="" val="2182492521"/>
       </p:ext>
     </p:extLst>
   </p:cSld>
@@ -1767,7 +1779,8 @@
           <a:p>
             <a:fld id="{CAD0ADA9-08DB-4ABC-B1BA-B08945673500}" type="datetimeFigureOut">
               <a:rPr lang="vi-VN" smtClean="0"/>
-              <a:t>03/01/2020</a:t>
+              <a:pPr/>
+              <a:t>12/01/2020</a:t>
             </a:fld>
             <a:endParaRPr lang="vi-VN"/>
           </a:p>
@@ -1809,6 +1822,7 @@
           <a:p>
             <a:fld id="{E5CA5BDE-6885-41A1-8D11-A2310419DAC8}" type="slidenum">
               <a:rPr lang="vi-VN" smtClean="0"/>
+              <a:pPr/>
               <a:t>‹#›</a:t>
             </a:fld>
             <a:endParaRPr lang="vi-VN"/>
@@ -1818,7 +1832,7 @@
     </p:spTree>
     <p:extLst>
       <p:ext uri="{BB962C8B-B14F-4D97-AF65-F5344CB8AC3E}">
-        <p14:creationId xmlns:p14="http://schemas.microsoft.com/office/powerpoint/2010/main" val="1584327444"/>
+        <p14:creationId xmlns:p14="http://schemas.microsoft.com/office/powerpoint/2010/main" xmlns="" val="1584327444"/>
       </p:ext>
     </p:extLst>
   </p:cSld>
@@ -1885,7 +1899,8 @@
           <a:p>
             <a:fld id="{CAD0ADA9-08DB-4ABC-B1BA-B08945673500}" type="datetimeFigureOut">
               <a:rPr lang="vi-VN" smtClean="0"/>
-              <a:t>03/01/2020</a:t>
+              <a:pPr/>
+              <a:t>12/01/2020</a:t>
             </a:fld>
             <a:endParaRPr lang="vi-VN"/>
           </a:p>
@@ -1927,6 +1942,7 @@
           <a:p>
             <a:fld id="{E5CA5BDE-6885-41A1-8D11-A2310419DAC8}" type="slidenum">
               <a:rPr lang="vi-VN" smtClean="0"/>
+              <a:pPr/>
               <a:t>‹#›</a:t>
             </a:fld>
             <a:endParaRPr lang="vi-VN"/>
@@ -1936,7 +1952,7 @@
     </p:spTree>
     <p:extLst>
       <p:ext uri="{BB962C8B-B14F-4D97-AF65-F5344CB8AC3E}">
-        <p14:creationId xmlns:p14="http://schemas.microsoft.com/office/powerpoint/2010/main" val="2170504568"/>
+        <p14:creationId xmlns:p14="http://schemas.microsoft.com/office/powerpoint/2010/main" xmlns="" val="2170504568"/>
       </p:ext>
     </p:extLst>
   </p:cSld>
@@ -1980,7 +1996,8 @@
           <a:p>
             <a:fld id="{CAD0ADA9-08DB-4ABC-B1BA-B08945673500}" type="datetimeFigureOut">
               <a:rPr lang="vi-VN" smtClean="0"/>
-              <a:t>03/01/2020</a:t>
+              <a:pPr/>
+              <a:t>12/01/2020</a:t>
             </a:fld>
             <a:endParaRPr lang="vi-VN"/>
           </a:p>
@@ -2022,6 +2039,7 @@
           <a:p>
             <a:fld id="{E5CA5BDE-6885-41A1-8D11-A2310419DAC8}" type="slidenum">
               <a:rPr lang="vi-VN" smtClean="0"/>
+              <a:pPr/>
               <a:t>‹#›</a:t>
             </a:fld>
             <a:endParaRPr lang="vi-VN"/>
@@ -2031,7 +2049,7 @@
     </p:spTree>
     <p:extLst>
       <p:ext uri="{BB962C8B-B14F-4D97-AF65-F5344CB8AC3E}">
-        <p14:creationId xmlns:p14="http://schemas.microsoft.com/office/powerpoint/2010/main" val="2176505096"/>
+        <p14:creationId xmlns:p14="http://schemas.microsoft.com/office/powerpoint/2010/main" xmlns="" val="2176505096"/>
       </p:ext>
     </p:extLst>
   </p:cSld>
@@ -2257,7 +2275,8 @@
           <a:p>
             <a:fld id="{CAD0ADA9-08DB-4ABC-B1BA-B08945673500}" type="datetimeFigureOut">
               <a:rPr lang="vi-VN" smtClean="0"/>
-              <a:t>03/01/2020</a:t>
+              <a:pPr/>
+              <a:t>12/01/2020</a:t>
             </a:fld>
             <a:endParaRPr lang="vi-VN"/>
           </a:p>
@@ -2299,6 +2318,7 @@
           <a:p>
             <a:fld id="{E5CA5BDE-6885-41A1-8D11-A2310419DAC8}" type="slidenum">
               <a:rPr lang="vi-VN" smtClean="0"/>
+              <a:pPr/>
               <a:t>‹#›</a:t>
             </a:fld>
             <a:endParaRPr lang="vi-VN"/>
@@ -2308,7 +2328,7 @@
     </p:spTree>
     <p:extLst>
       <p:ext uri="{BB962C8B-B14F-4D97-AF65-F5344CB8AC3E}">
-        <p14:creationId xmlns:p14="http://schemas.microsoft.com/office/powerpoint/2010/main" val="785118752"/>
+        <p14:creationId xmlns:p14="http://schemas.microsoft.com/office/powerpoint/2010/main" xmlns="" val="785118752"/>
       </p:ext>
     </p:extLst>
   </p:cSld>
@@ -2514,7 +2534,8 @@
           <a:p>
             <a:fld id="{CAD0ADA9-08DB-4ABC-B1BA-B08945673500}" type="datetimeFigureOut">
               <a:rPr lang="vi-VN" smtClean="0"/>
-              <a:t>03/01/2020</a:t>
+              <a:pPr/>
+              <a:t>12/01/2020</a:t>
             </a:fld>
             <a:endParaRPr lang="vi-VN"/>
           </a:p>
@@ -2556,6 +2577,7 @@
           <a:p>
             <a:fld id="{E5CA5BDE-6885-41A1-8D11-A2310419DAC8}" type="slidenum">
               <a:rPr lang="vi-VN" smtClean="0"/>
+              <a:pPr/>
               <a:t>‹#›</a:t>
             </a:fld>
             <a:endParaRPr lang="vi-VN"/>
@@ -2565,7 +2587,7 @@
     </p:spTree>
     <p:extLst>
       <p:ext uri="{BB962C8B-B14F-4D97-AF65-F5344CB8AC3E}">
-        <p14:creationId xmlns:p14="http://schemas.microsoft.com/office/powerpoint/2010/main" val="2079082853"/>
+        <p14:creationId xmlns:p14="http://schemas.microsoft.com/office/powerpoint/2010/main" xmlns="" val="2079082853"/>
       </p:ext>
     </p:extLst>
   </p:cSld>
@@ -2732,7 +2754,8 @@
           <a:p>
             <a:fld id="{CAD0ADA9-08DB-4ABC-B1BA-B08945673500}" type="datetimeFigureOut">
               <a:rPr lang="vi-VN" smtClean="0"/>
-              <a:t>03/01/2020</a:t>
+              <a:pPr/>
+              <a:t>12/01/2020</a:t>
             </a:fld>
             <a:endParaRPr lang="vi-VN"/>
           </a:p>
@@ -2810,6 +2833,7 @@
           <a:p>
             <a:fld id="{E5CA5BDE-6885-41A1-8D11-A2310419DAC8}" type="slidenum">
               <a:rPr lang="vi-VN" smtClean="0"/>
+              <a:pPr/>
               <a:t>‹#›</a:t>
             </a:fld>
             <a:endParaRPr lang="vi-VN"/>
@@ -2819,7 +2843,7 @@
     </p:spTree>
     <p:extLst>
       <p:ext uri="{BB962C8B-B14F-4D97-AF65-F5344CB8AC3E}">
-        <p14:creationId xmlns:p14="http://schemas.microsoft.com/office/powerpoint/2010/main" val="2626905437"/>
+        <p14:creationId xmlns:p14="http://schemas.microsoft.com/office/powerpoint/2010/main" xmlns="" val="2626905437"/>
       </p:ext>
     </p:extLst>
   </p:cSld>
@@ -3241,7 +3265,17 @@
                 <a:latin typeface="Microsoft JhengHei" pitchFamily="34" charset="-120"/>
                 <a:ea typeface="Microsoft JhengHei" pitchFamily="34" charset="-120"/>
               </a:rPr>
-              <a:t>舊事已過都</a:t>
+              <a:t>舊事已</a:t>
+            </a:r>
+            <a:r>
+              <a:rPr lang="zh-CN" altLang="en-US" sz="5400" b="1" dirty="0" smtClean="0">
+                <a:solidFill>
+                  <a:srgbClr val="660033"/>
+                </a:solidFill>
+                <a:latin typeface="Microsoft JhengHei" pitchFamily="34" charset="-120"/>
+                <a:ea typeface="Microsoft JhengHei" pitchFamily="34" charset="-120"/>
+              </a:rPr>
+              <a:t>過去都</a:t>
             </a:r>
             <a:endParaRPr lang="en-US" altLang="zh-CN" sz="5400" b="1" dirty="0">
               <a:solidFill>
@@ -3278,13 +3312,20 @@
     </p:spTree>
     <p:extLst>
       <p:ext uri="{BB962C8B-B14F-4D97-AF65-F5344CB8AC3E}">
-        <p14:creationId xmlns:p14="http://schemas.microsoft.com/office/powerpoint/2010/main" val="1246952641"/>
+        <p14:creationId xmlns:p14="http://schemas.microsoft.com/office/powerpoint/2010/main" xmlns="" val="1246952641"/>
       </p:ext>
     </p:extLst>
   </p:cSld>
   <p:clrMapOvr>
     <a:masterClrMapping/>
   </p:clrMapOvr>
+  <p:timing>
+    <p:tnLst>
+      <p:par>
+        <p:cTn id="1" dur="indefinite" restart="never" nodeType="tmRoot"/>
+      </p:par>
+    </p:tnLst>
+  </p:timing>
 </p:sld>
 </file>
 
@@ -3375,7 +3416,27 @@
                 <a:latin typeface="Microsoft JhengHei" pitchFamily="34" charset="-120"/>
                 <a:ea typeface="Microsoft JhengHei" pitchFamily="34" charset="-120"/>
               </a:rPr>
-              <a:t>天軍天使齊齊歌唱</a:t>
+              <a:t>天軍天使</a:t>
+            </a:r>
+            <a:r>
+              <a:rPr lang="zh-CN" altLang="en-US" sz="5400" b="1">
+                <a:solidFill>
+                  <a:srgbClr val="660033"/>
+                </a:solidFill>
+                <a:latin typeface="Microsoft JhengHei" pitchFamily="34" charset="-120"/>
+                <a:ea typeface="Microsoft JhengHei" pitchFamily="34" charset="-120"/>
+              </a:rPr>
+              <a:t>齊</a:t>
+            </a:r>
+            <a:r>
+              <a:rPr lang="zh-CN" altLang="en-US" sz="5400" b="1" smtClean="0">
+                <a:solidFill>
+                  <a:srgbClr val="660033"/>
+                </a:solidFill>
+                <a:latin typeface="Microsoft JhengHei" pitchFamily="34" charset="-120"/>
+                <a:ea typeface="Microsoft JhengHei" pitchFamily="34" charset="-120"/>
+              </a:rPr>
+              <a:t>齊和唱</a:t>
             </a:r>
             <a:endParaRPr lang="en-US" altLang="zh-CN" sz="5400" b="1" dirty="0">
               <a:solidFill>
@@ -3456,13 +3517,20 @@
     </p:spTree>
     <p:extLst>
       <p:ext uri="{BB962C8B-B14F-4D97-AF65-F5344CB8AC3E}">
-        <p14:creationId xmlns:p14="http://schemas.microsoft.com/office/powerpoint/2010/main" val="1574218267"/>
+        <p14:creationId xmlns:p14="http://schemas.microsoft.com/office/powerpoint/2010/main" xmlns="" val="1574218267"/>
       </p:ext>
     </p:extLst>
   </p:cSld>
   <p:clrMapOvr>
     <a:masterClrMapping/>
   </p:clrMapOvr>
+  <p:timing>
+    <p:tnLst>
+      <p:par>
+        <p:cTn id="1" dur="indefinite" restart="never" nodeType="tmRoot"/>
+      </p:par>
+    </p:tnLst>
+  </p:timing>
 </p:sld>
 </file>
 
@@ -3548,17 +3616,7 @@
                 <a:latin typeface="微軟正黑體" pitchFamily="34" charset="-120"/>
                 <a:ea typeface="微軟正黑體" pitchFamily="34" charset="-120"/>
               </a:rPr>
-              <a:t>願天父上帝的</a:t>
-            </a:r>
-            <a:r>
-              <a:rPr lang="zh-TW" altLang="en-US" sz="5400" b="1" dirty="0">
-                <a:solidFill>
-                  <a:srgbClr val="000066"/>
-                </a:solidFill>
-                <a:latin typeface="微軟正黑體" pitchFamily="34" charset="-120"/>
-                <a:ea typeface="微軟正黑體" pitchFamily="34" charset="-120"/>
-              </a:rPr>
-              <a:t>慈愛</a:t>
+              <a:t>願天父上帝的慈愛</a:t>
             </a:r>
             <a:endParaRPr lang="en-US" altLang="zh-TW" sz="5400" b="1" dirty="0">
               <a:solidFill>
@@ -3580,27 +3638,7 @@
                 <a:latin typeface="微軟正黑體" pitchFamily="34" charset="-120"/>
                 <a:ea typeface="微軟正黑體" pitchFamily="34" charset="-120"/>
               </a:rPr>
-              <a:t>常</a:t>
-            </a:r>
-            <a:r>
-              <a:rPr lang="zh-TW" altLang="en-US" sz="5400" b="1" dirty="0">
-                <a:solidFill>
-                  <a:srgbClr val="000066"/>
-                </a:solidFill>
-                <a:latin typeface="微軟正黑體" pitchFamily="34" charset="-120"/>
-                <a:ea typeface="微軟正黑體" pitchFamily="34" charset="-120"/>
-              </a:rPr>
-              <a:t>與您們同</a:t>
-            </a:r>
-            <a:r>
-              <a:rPr lang="zh-TW" altLang="en-US" sz="5400" b="1" dirty="0">
-                <a:solidFill>
-                  <a:srgbClr val="000066"/>
-                </a:solidFill>
-                <a:latin typeface="微軟正黑體" pitchFamily="34" charset="-120"/>
-                <a:ea typeface="微軟正黑體" pitchFamily="34" charset="-120"/>
-              </a:rPr>
-              <a:t>在</a:t>
+              <a:t>常與您們同在</a:t>
             </a:r>
             <a:endParaRPr lang="en-US" altLang="zh-TW" sz="5400" b="1" dirty="0">
               <a:solidFill>
@@ -3622,27 +3660,7 @@
                 <a:latin typeface="微軟正黑體" pitchFamily="34" charset="-120"/>
                 <a:ea typeface="微軟正黑體" pitchFamily="34" charset="-120"/>
               </a:rPr>
-              <a:t>願</a:t>
-            </a:r>
-            <a:r>
-              <a:rPr lang="zh-TW" altLang="en-US" sz="5400" b="1" dirty="0">
-                <a:solidFill>
-                  <a:srgbClr val="000066"/>
-                </a:solidFill>
-                <a:latin typeface="微軟正黑體" pitchFamily="34" charset="-120"/>
-                <a:ea typeface="微軟正黑體" pitchFamily="34" charset="-120"/>
-              </a:rPr>
-              <a:t>平安恩惠天天加給</a:t>
-            </a:r>
-            <a:r>
-              <a:rPr lang="zh-TW" altLang="en-US" sz="5400" b="1" dirty="0">
-                <a:solidFill>
-                  <a:srgbClr val="000066"/>
-                </a:solidFill>
-                <a:latin typeface="微軟正黑體" pitchFamily="34" charset="-120"/>
-                <a:ea typeface="微軟正黑體" pitchFamily="34" charset="-120"/>
-              </a:rPr>
-              <a:t>您</a:t>
+              <a:t>願平安恩惠天天加給您</a:t>
             </a:r>
             <a:endParaRPr lang="en-US" altLang="zh-TW" sz="5400" b="1" dirty="0">
               <a:solidFill>
@@ -3664,17 +3682,7 @@
                 <a:latin typeface="微軟正黑體" pitchFamily="34" charset="-120"/>
                 <a:ea typeface="微軟正黑體" pitchFamily="34" charset="-120"/>
               </a:rPr>
-              <a:t>喜樂</a:t>
-            </a:r>
-            <a:r>
-              <a:rPr lang="zh-TW" altLang="en-US" sz="5400" b="1" dirty="0">
-                <a:solidFill>
-                  <a:srgbClr val="000066"/>
-                </a:solidFill>
-                <a:latin typeface="微軟正黑體" pitchFamily="34" charset="-120"/>
-                <a:ea typeface="微軟正黑體" pitchFamily="34" charset="-120"/>
-              </a:rPr>
-              <a:t>恩典圍繞您</a:t>
+              <a:t>喜樂恩典圍繞您</a:t>
             </a:r>
           </a:p>
         </p:txBody>
@@ -3682,13 +3690,20 @@
     </p:spTree>
     <p:extLst>
       <p:ext uri="{BB962C8B-B14F-4D97-AF65-F5344CB8AC3E}">
-        <p14:creationId xmlns:p14="http://schemas.microsoft.com/office/powerpoint/2010/main" val="3298208486"/>
+        <p14:creationId xmlns:p14="http://schemas.microsoft.com/office/powerpoint/2010/main" xmlns="" val="3298208486"/>
       </p:ext>
     </p:extLst>
   </p:cSld>
   <p:clrMapOvr>
     <a:masterClrMapping/>
   </p:clrMapOvr>
+  <p:timing>
+    <p:tnLst>
+      <p:par>
+        <p:cTn id="1" dur="indefinite" restart="never" nodeType="tmRoot"/>
+      </p:par>
+    </p:tnLst>
+  </p:timing>
 </p:sld>
 </file>
 
@@ -3848,13 +3863,20 @@
     </p:spTree>
     <p:extLst>
       <p:ext uri="{BB962C8B-B14F-4D97-AF65-F5344CB8AC3E}">
-        <p14:creationId xmlns:p14="http://schemas.microsoft.com/office/powerpoint/2010/main" val="195852714"/>
+        <p14:creationId xmlns:p14="http://schemas.microsoft.com/office/powerpoint/2010/main" xmlns="" val="195852714"/>
       </p:ext>
     </p:extLst>
   </p:cSld>
   <p:clrMapOvr>
     <a:masterClrMapping/>
   </p:clrMapOvr>
+  <p:timing>
+    <p:tnLst>
+      <p:par>
+        <p:cTn id="1" dur="indefinite" restart="never" nodeType="tmRoot"/>
+      </p:par>
+    </p:tnLst>
+  </p:timing>
 </p:sld>
 </file>
 
@@ -4140,7 +4162,7 @@
   <a:extraClrSchemeLst/>
   <a:extLst>
     <a:ext uri="{05A4C25C-085E-4340-85A3-A5531E510DB2}">
-      <thm15:themeFamily xmlns:thm15="http://schemas.microsoft.com/office/thememl/2012/main" name="Theme1" id="{AFC7C034-021A-479F-A5B0-F4AE2AC2A6F8}" vid="{E4B01A5C-7C0B-4AB8-8973-047186F18E30}"/>
+      <thm15:themeFamily xmlns:thm15="http://schemas.microsoft.com/office/thememl/2012/main" xmlns="" name="Theme1" id="{AFC7C034-021A-479F-A5B0-F4AE2AC2A6F8}" vid="{E4B01A5C-7C0B-4AB8-8973-047186F18E30}"/>
     </a:ext>
   </a:extLst>
 </a:theme>
